--- a/template.pptx
+++ b/template.pptx
@@ -15,7 +15,7 @@
     <p:sldId id="979" r:id="rId6"/>
     <p:sldId id="3205" r:id="rId7"/>
     <p:sldId id="3275" r:id="rId8"/>
-    <p:sldId id="3277" r:id="rId9"/>
+    <p:sldId id="3266" r:id="rId9"/>
   </p:sldIdLst>
   <p:sldSz cx="12192000" cy="6858000"/>
   <p:notesSz cx="6858000" cy="9144000"/>
@@ -7418,7 +7418,7 @@
               <a:pPr>
                 <a:defRPr/>
               </a:pPr>
-              <a:t>2025/10/5</a:t>
+              <a:t>2025/10/25</a:t>
             </a:fld>
             <a:endParaRPr lang="zh-TW" altLang="en-US"/>
           </a:p>
@@ -10853,7 +10853,7 @@
               <a:pPr>
                 <a:defRPr/>
               </a:pPr>
-              <a:t>10/5/2025</a:t>
+              <a:t>10/25/2025</a:t>
             </a:fld>
             <a:endParaRPr lang="en-US" dirty="0"/>
           </a:p>
@@ -11101,7 +11101,7 @@
               <a:pPr>
                 <a:defRPr/>
               </a:pPr>
-              <a:t>10/5/2025</a:t>
+              <a:t>10/25/2025</a:t>
             </a:fld>
             <a:endParaRPr lang="en-US" dirty="0"/>
           </a:p>
@@ -11337,7 +11337,7 @@
               <a:pPr>
                 <a:defRPr/>
               </a:pPr>
-              <a:t>10/5/2025</a:t>
+              <a:t>10/25/2025</a:t>
             </a:fld>
             <a:endParaRPr lang="en-US" dirty="0"/>
           </a:p>
@@ -11611,7 +11611,7 @@
               <a:pPr>
                 <a:defRPr/>
               </a:pPr>
-              <a:t>10/5/2025</a:t>
+              <a:t>10/25/2025</a:t>
             </a:fld>
             <a:endParaRPr lang="en-US" dirty="0"/>
           </a:p>
@@ -12020,7 +12020,7 @@
               <a:pPr>
                 <a:defRPr/>
               </a:pPr>
-              <a:t>10/5/2025</a:t>
+              <a:t>10/25/2025</a:t>
             </a:fld>
             <a:endParaRPr lang="en-US" dirty="0"/>
           </a:p>
@@ -12182,7 +12182,7 @@
               <a:pPr>
                 <a:defRPr/>
               </a:pPr>
-              <a:t>10/5/2025</a:t>
+              <a:t>10/25/2025</a:t>
             </a:fld>
             <a:endParaRPr lang="en-US" dirty="0"/>
           </a:p>
@@ -12322,7 +12322,7 @@
               <a:pPr>
                 <a:defRPr/>
               </a:pPr>
-              <a:t>10/5/2025</a:t>
+              <a:t>10/25/2025</a:t>
             </a:fld>
             <a:endParaRPr lang="en-US" dirty="0"/>
           </a:p>
@@ -12878,7 +12878,7 @@
               <a:pPr>
                 <a:defRPr/>
               </a:pPr>
-              <a:t>10/5/2025</a:t>
+              <a:t>10/25/2025</a:t>
             </a:fld>
             <a:endParaRPr lang="en-US" dirty="0"/>
           </a:p>
@@ -13179,7 +13179,7 @@
               <a:pPr>
                 <a:defRPr/>
               </a:pPr>
-              <a:t>10/5/2025</a:t>
+              <a:t>10/25/2025</a:t>
             </a:fld>
             <a:endParaRPr lang="en-US" dirty="0"/>
           </a:p>
@@ -13392,7 +13392,7 @@
               <a:pPr>
                 <a:defRPr/>
               </a:pPr>
-              <a:t>10/5/2025</a:t>
+              <a:t>10/25/2025</a:t>
             </a:fld>
             <a:endParaRPr lang="en-US" dirty="0"/>
           </a:p>
@@ -13615,7 +13615,7 @@
               <a:pPr>
                 <a:defRPr/>
               </a:pPr>
-              <a:t>10/5/2025</a:t>
+              <a:t>10/25/2025</a:t>
             </a:fld>
             <a:endParaRPr lang="en-US" dirty="0"/>
           </a:p>
@@ -18341,7 +18341,7 @@
         <p:cNvPr id="1" name="">
           <a:extLst>
             <a:ext uri="{FF2B5EF4-FFF2-40B4-BE49-F238E27FC236}">
-              <a16:creationId xmlns:a16="http://schemas.microsoft.com/office/drawing/2014/main" id="{903A7591-33B2-1239-CD58-B493DFE8D468}"/>
+              <a16:creationId xmlns:a16="http://schemas.microsoft.com/office/drawing/2014/main" id="{D9E870A8-9D44-F8E1-1B1C-987038648C48}"/>
             </a:ext>
           </a:extLst>
         </p:cNvPr>
@@ -18361,7 +18361,7 @@
           <p:cNvPr id="2" name="標題 1">
             <a:extLst>
               <a:ext uri="{FF2B5EF4-FFF2-40B4-BE49-F238E27FC236}">
-                <a16:creationId xmlns:a16="http://schemas.microsoft.com/office/drawing/2014/main" id="{B8ADF297-7216-0716-A585-305D7152EFC0}"/>
+                <a16:creationId xmlns:a16="http://schemas.microsoft.com/office/drawing/2014/main" id="{910BCF18-74FE-EDED-EFCD-12C29802E62C}"/>
               </a:ext>
             </a:extLst>
           </p:cNvPr>
@@ -18378,12 +18378,16 @@
           <a:lstStyle/>
           <a:p>
             <a:r>
-              <a:rPr lang="zh-TW" altLang="en-US" dirty="0"/>
-              <a:t>一、</a:t>
-            </a:r>
-            <a:r>
               <a:rPr lang="zh-TW" altLang="zh-TW" dirty="0"/>
-              <a:t>神翻轉生命</a:t>
+              <a:t>以弗所書二章</a:t>
+            </a:r>
+            <a:r>
+              <a:rPr lang="en-US" altLang="zh-TW" dirty="0"/>
+              <a:t>1-3</a:t>
+            </a:r>
+            <a:r>
+              <a:rPr lang="zh-TW" altLang="zh-TW" dirty="0"/>
+              <a:t>節</a:t>
             </a:r>
             <a:endParaRPr lang="zh-TW" altLang="en-US" dirty="0"/>
           </a:p>
@@ -18394,7 +18398,7 @@
           <p:cNvPr id="3" name="內容版面配置區 2">
             <a:extLst>
               <a:ext uri="{FF2B5EF4-FFF2-40B4-BE49-F238E27FC236}">
-                <a16:creationId xmlns:a16="http://schemas.microsoft.com/office/drawing/2014/main" id="{7AF2C540-9CDE-68C4-9E40-3ECED02206D3}"/>
+                <a16:creationId xmlns:a16="http://schemas.microsoft.com/office/drawing/2014/main" id="{11AD545B-D8C2-8589-43A3-DE3C6CE675FA}"/>
               </a:ext>
             </a:extLst>
           </p:cNvPr>
@@ -18410,165 +18414,23 @@
           <a:bodyPr/>
           <a:lstStyle/>
           <a:p>
-            <a:pPr algn="ctr"/>
-            <a:r>
-              <a:rPr lang="en-US" altLang="zh-TW" dirty="0"/>
-              <a:t>2.</a:t>
-            </a:r>
-            <a:r>
-              <a:rPr lang="zh-TW" altLang="zh-TW" dirty="0"/>
-              <a:t>從敗壞到美好</a:t>
-            </a:r>
-            <a:endParaRPr lang="en-US" altLang="zh-TW" dirty="0"/>
-          </a:p>
-          <a:p>
-            <a:pPr algn="ctr"/>
-            <a:r>
-              <a:rPr lang="en-US" altLang="zh-TW" dirty="0"/>
-              <a:t>(1)</a:t>
-            </a:r>
-            <a:r>
-              <a:rPr lang="zh-TW" altLang="zh-TW" dirty="0"/>
-              <a:t>得揀選</a:t>
+            <a:pPr marL="722313" indent="-722313"/>
+            <a:r>
+              <a:rPr lang="en-US" altLang="zh-TW" sz="6600" dirty="0"/>
+              <a:t>1.</a:t>
             </a:r>
             <a:r>
               <a:rPr lang="zh-TW" altLang="en-US" dirty="0"/>
-              <a:t> </a:t>
-            </a:r>
-            <a:r>
-              <a:rPr lang="en-US" altLang="zh-TW" dirty="0">
-                <a:solidFill>
-                  <a:schemeClr val="bg1">
-                    <a:lumMod val="85000"/>
-                  </a:schemeClr>
-                </a:solidFill>
-              </a:rPr>
-              <a:t>(2)</a:t>
-            </a:r>
-            <a:r>
-              <a:rPr lang="zh-TW" altLang="zh-TW" dirty="0">
-                <a:solidFill>
-                  <a:schemeClr val="bg1">
-                    <a:lumMod val="85000"/>
-                  </a:schemeClr>
-                </a:solidFill>
-              </a:rPr>
-              <a:t>成兒子</a:t>
-            </a:r>
-            <a:endParaRPr lang="en-US" altLang="zh-TW" dirty="0">
-              <a:solidFill>
-                <a:schemeClr val="bg1">
-                  <a:lumMod val="85000"/>
-                </a:schemeClr>
-              </a:solidFill>
-            </a:endParaRPr>
-          </a:p>
-          <a:p>
-            <a:pPr algn="ctr"/>
-            <a:r>
-              <a:rPr lang="en-US" altLang="zh-TW" dirty="0">
-                <a:solidFill>
-                  <a:schemeClr val="bg1">
-                    <a:lumMod val="85000"/>
-                  </a:schemeClr>
-                </a:solidFill>
-              </a:rPr>
-              <a:t>(3)</a:t>
-            </a:r>
-            <a:r>
-              <a:rPr lang="zh-TW" altLang="zh-TW" dirty="0">
-                <a:solidFill>
-                  <a:schemeClr val="bg1">
-                    <a:lumMod val="85000"/>
-                  </a:schemeClr>
-                </a:solidFill>
-              </a:rPr>
-              <a:t>得赦罪</a:t>
-            </a:r>
-            <a:r>
-              <a:rPr lang="en-US" altLang="zh-TW" dirty="0">
-                <a:solidFill>
-                  <a:schemeClr val="bg1">
-                    <a:lumMod val="85000"/>
-                  </a:schemeClr>
-                </a:solidFill>
-              </a:rPr>
-              <a:t> (4)</a:t>
-            </a:r>
-            <a:r>
-              <a:rPr lang="zh-TW" altLang="zh-TW" dirty="0">
-                <a:solidFill>
-                  <a:schemeClr val="bg1">
-                    <a:lumMod val="85000"/>
-                  </a:schemeClr>
-                </a:solidFill>
-              </a:rPr>
-              <a:t>知神旨</a:t>
-            </a:r>
-            <a:endParaRPr lang="en-US" altLang="zh-TW" dirty="0">
-              <a:solidFill>
-                <a:schemeClr val="bg1">
-                  <a:lumMod val="85000"/>
-                </a:schemeClr>
-              </a:solidFill>
-            </a:endParaRPr>
-          </a:p>
-          <a:p>
-            <a:pPr algn="ctr"/>
-            <a:r>
-              <a:rPr lang="en-US" altLang="zh-TW" dirty="0">
-                <a:solidFill>
-                  <a:schemeClr val="bg1">
-                    <a:lumMod val="85000"/>
-                  </a:schemeClr>
-                </a:solidFill>
-              </a:rPr>
-              <a:t>(5)</a:t>
-            </a:r>
-            <a:r>
-              <a:rPr lang="zh-TW" altLang="zh-TW" dirty="0">
-                <a:solidFill>
-                  <a:schemeClr val="bg1">
-                    <a:lumMod val="85000"/>
-                  </a:schemeClr>
-                </a:solidFill>
-              </a:rPr>
-              <a:t>得基業</a:t>
-            </a:r>
-            <a:r>
-              <a:rPr lang="en-US" altLang="zh-TW" dirty="0">
-                <a:solidFill>
-                  <a:schemeClr val="bg1">
-                    <a:lumMod val="85000"/>
-                  </a:schemeClr>
-                </a:solidFill>
-              </a:rPr>
-              <a:t> (6)</a:t>
-            </a:r>
-            <a:r>
-              <a:rPr lang="zh-TW" altLang="zh-TW" dirty="0">
-                <a:solidFill>
-                  <a:schemeClr val="bg1">
-                    <a:lumMod val="85000"/>
-                  </a:schemeClr>
-                </a:solidFill>
-              </a:rPr>
-              <a:t>得聖靈</a:t>
-            </a:r>
-            <a:endParaRPr lang="zh-TW" altLang="en-US" dirty="0">
-              <a:solidFill>
-                <a:schemeClr val="bg1">
-                  <a:lumMod val="85000"/>
-                </a:schemeClr>
-              </a:solidFill>
-            </a:endParaRPr>
+              <a:t>你們死在過犯罪惡之中，他叫你們活過來。</a:t>
+            </a:r>
+            <a:endParaRPr lang="zh-TW" altLang="en-US" sz="6600" dirty="0"/>
           </a:p>
         </p:txBody>
       </p:sp>
     </p:spTree>
     <p:extLst>
       <p:ext uri="{BB962C8B-B14F-4D97-AF65-F5344CB8AC3E}">
-        <p14:creationId xmlns:p14="http://schemas.microsoft.com/office/powerpoint/2010/main" val="28849706"/>
+        <p14:creationId xmlns:p14="http://schemas.microsoft.com/office/powerpoint/2010/main" val="2499246759"/>
       </p:ext>
     </p:extLst>
   </p:cSld>
